--- a/Lecture-10/Frontend_Development_Bootcamp-lec-10.pptx
+++ b/Lecture-10/Frontend_Development_Bootcamp-lec-10.pptx
@@ -1636,7 +1636,7 @@
           <a:p>
             <a:fld id="{A9CF0FF3-DE84-49FC-9031-2880DB6D2F3B}" type="datetimeFigureOut">
               <a:rPr lang="en-US" smtClean="0"/>
-              <a:t>5/4/2025</a:t>
+              <a:t>5/11/2025</a:t>
             </a:fld>
             <a:endParaRPr lang="en-US"/>
           </a:p>
@@ -2697,7 +2697,7 @@
           <a:p>
             <a:fld id="{5BCAD085-E8A6-8845-BD4E-CB4CCA059FC4}" type="datetimeFigureOut">
               <a:rPr lang="en-US" smtClean="0"/>
-              <a:t>5/4/2025</a:t>
+              <a:t>5/11/2025</a:t>
             </a:fld>
             <a:endParaRPr lang="en-US"/>
           </a:p>
@@ -2948,7 +2948,7 @@
           <a:p>
             <a:fld id="{5BCAD085-E8A6-8845-BD4E-CB4CCA059FC4}" type="datetimeFigureOut">
               <a:rPr lang="en-US" smtClean="0"/>
-              <a:t>5/4/2025</a:t>
+              <a:t>5/11/2025</a:t>
             </a:fld>
             <a:endParaRPr lang="en-US"/>
           </a:p>
@@ -3262,7 +3262,7 @@
           <a:p>
             <a:fld id="{5BCAD085-E8A6-8845-BD4E-CB4CCA059FC4}" type="datetimeFigureOut">
               <a:rPr lang="en-US" smtClean="0"/>
-              <a:t>5/4/2025</a:t>
+              <a:t>5/11/2025</a:t>
             </a:fld>
             <a:endParaRPr lang="en-US"/>
           </a:p>
@@ -3595,7 +3595,7 @@
           <a:p>
             <a:fld id="{5BCAD085-E8A6-8845-BD4E-CB4CCA059FC4}" type="datetimeFigureOut">
               <a:rPr lang="en-US" smtClean="0"/>
-              <a:t>5/4/2025</a:t>
+              <a:t>5/11/2025</a:t>
             </a:fld>
             <a:endParaRPr lang="en-US"/>
           </a:p>
@@ -3909,7 +3909,7 @@
           <a:p>
             <a:fld id="{5BCAD085-E8A6-8845-BD4E-CB4CCA059FC4}" type="datetimeFigureOut">
               <a:rPr lang="en-US" smtClean="0"/>
-              <a:t>5/4/2025</a:t>
+              <a:t>5/11/2025</a:t>
             </a:fld>
             <a:endParaRPr lang="en-US"/>
           </a:p>
@@ -4302,7 +4302,7 @@
           <a:p>
             <a:fld id="{5BCAD085-E8A6-8845-BD4E-CB4CCA059FC4}" type="datetimeFigureOut">
               <a:rPr lang="en-US" smtClean="0"/>
-              <a:t>5/4/2025</a:t>
+              <a:t>5/11/2025</a:t>
             </a:fld>
             <a:endParaRPr lang="en-US"/>
           </a:p>
@@ -4472,7 +4472,7 @@
           <a:p>
             <a:fld id="{5BCAD085-E8A6-8845-BD4E-CB4CCA059FC4}" type="datetimeFigureOut">
               <a:rPr lang="en-US" smtClean="0"/>
-              <a:t>5/4/2025</a:t>
+              <a:t>5/11/2025</a:t>
             </a:fld>
             <a:endParaRPr lang="en-US"/>
           </a:p>
@@ -4652,7 +4652,7 @@
           <a:p>
             <a:fld id="{5BCAD085-E8A6-8845-BD4E-CB4CCA059FC4}" type="datetimeFigureOut">
               <a:rPr lang="en-US" smtClean="0"/>
-              <a:t>5/4/2025</a:t>
+              <a:t>5/11/2025</a:t>
             </a:fld>
             <a:endParaRPr lang="en-US"/>
           </a:p>
@@ -4822,7 +4822,7 @@
           <a:p>
             <a:fld id="{5BCAD085-E8A6-8845-BD4E-CB4CCA059FC4}" type="datetimeFigureOut">
               <a:rPr lang="en-US" smtClean="0"/>
-              <a:t>5/4/2025</a:t>
+              <a:t>5/11/2025</a:t>
             </a:fld>
             <a:endParaRPr lang="en-US"/>
           </a:p>
@@ -5069,7 +5069,7 @@
           <a:p>
             <a:fld id="{5BCAD085-E8A6-8845-BD4E-CB4CCA059FC4}" type="datetimeFigureOut">
               <a:rPr lang="en-US" smtClean="0"/>
-              <a:t>5/4/2025</a:t>
+              <a:t>5/11/2025</a:t>
             </a:fld>
             <a:endParaRPr lang="en-US"/>
           </a:p>
@@ -5366,7 +5366,7 @@
           <a:p>
             <a:fld id="{5BCAD085-E8A6-8845-BD4E-CB4CCA059FC4}" type="datetimeFigureOut">
               <a:rPr lang="en-US" smtClean="0"/>
-              <a:t>5/4/2025</a:t>
+              <a:t>5/11/2025</a:t>
             </a:fld>
             <a:endParaRPr lang="en-US"/>
           </a:p>
@@ -5745,7 +5745,7 @@
           <a:p>
             <a:fld id="{5BCAD085-E8A6-8845-BD4E-CB4CCA059FC4}" type="datetimeFigureOut">
               <a:rPr lang="en-US" smtClean="0"/>
-              <a:t>5/4/2025</a:t>
+              <a:t>5/11/2025</a:t>
             </a:fld>
             <a:endParaRPr lang="en-US"/>
           </a:p>
@@ -5868,7 +5868,7 @@
           <a:p>
             <a:fld id="{5BCAD085-E8A6-8845-BD4E-CB4CCA059FC4}" type="datetimeFigureOut">
               <a:rPr lang="en-US" smtClean="0"/>
-              <a:t>5/4/2025</a:t>
+              <a:t>5/11/2025</a:t>
             </a:fld>
             <a:endParaRPr lang="en-US"/>
           </a:p>
@@ -5963,7 +5963,7 @@
           <a:p>
             <a:fld id="{5BCAD085-E8A6-8845-BD4E-CB4CCA059FC4}" type="datetimeFigureOut">
               <a:rPr lang="en-US" smtClean="0"/>
-              <a:t>5/4/2025</a:t>
+              <a:t>5/11/2025</a:t>
             </a:fld>
             <a:endParaRPr lang="en-US"/>
           </a:p>
@@ -6218,7 +6218,7 @@
           <a:p>
             <a:fld id="{5BCAD085-E8A6-8845-BD4E-CB4CCA059FC4}" type="datetimeFigureOut">
               <a:rPr lang="en-US" smtClean="0"/>
-              <a:t>5/4/2025</a:t>
+              <a:t>5/11/2025</a:t>
             </a:fld>
             <a:endParaRPr lang="en-US"/>
           </a:p>
@@ -6481,7 +6481,7 @@
           <a:p>
             <a:fld id="{5BCAD085-E8A6-8845-BD4E-CB4CCA059FC4}" type="datetimeFigureOut">
               <a:rPr lang="en-US" smtClean="0"/>
-              <a:t>5/4/2025</a:t>
+              <a:t>5/11/2025</a:t>
             </a:fld>
             <a:endParaRPr lang="en-US"/>
           </a:p>
@@ -7295,7 +7295,7 @@
           <a:p>
             <a:fld id="{5BCAD085-E8A6-8845-BD4E-CB4CCA059FC4}" type="datetimeFigureOut">
               <a:rPr lang="en-US" smtClean="0"/>
-              <a:t>5/4/2025</a:t>
+              <a:t>5/11/2025</a:t>
             </a:fld>
             <a:endParaRPr lang="en-US"/>
           </a:p>
